--- a/ランプの妖精と影の世界.pptx
+++ b/ランプの妖精と影の世界.pptx
@@ -1327,7 +1327,7 @@
           <a:p>
             <a:fld id="{82143799-112E-454D-A25D-E15AB7320A39}" type="datetimeFigureOut">
               <a:rPr kumimoji="1" lang="ja-JP" altLang="en-US" smtClean="0"/>
-              <a:t>2020/12/8</a:t>
+              <a:t>2020/12/14</a:t>
             </a:fld>
             <a:endParaRPr kumimoji="1" lang="ja-JP" altLang="en-US"/>
           </a:p>
@@ -1597,7 +1597,7 @@
           <a:p>
             <a:fld id="{82143799-112E-454D-A25D-E15AB7320A39}" type="datetimeFigureOut">
               <a:rPr kumimoji="1" lang="ja-JP" altLang="en-US" smtClean="0"/>
-              <a:t>2020/12/8</a:t>
+              <a:t>2020/12/14</a:t>
             </a:fld>
             <a:endParaRPr kumimoji="1" lang="ja-JP" altLang="en-US"/>
           </a:p>
@@ -1809,7 +1809,7 @@
           <a:p>
             <a:fld id="{82143799-112E-454D-A25D-E15AB7320A39}" type="datetimeFigureOut">
               <a:rPr kumimoji="1" lang="ja-JP" altLang="en-US" smtClean="0"/>
-              <a:t>2020/12/8</a:t>
+              <a:t>2020/12/14</a:t>
             </a:fld>
             <a:endParaRPr kumimoji="1" lang="ja-JP" altLang="en-US"/>
           </a:p>
@@ -2011,7 +2011,7 @@
           <a:p>
             <a:fld id="{82143799-112E-454D-A25D-E15AB7320A39}" type="datetimeFigureOut">
               <a:rPr kumimoji="1" lang="ja-JP" altLang="en-US" smtClean="0"/>
-              <a:t>2020/12/8</a:t>
+              <a:t>2020/12/14</a:t>
             </a:fld>
             <a:endParaRPr kumimoji="1" lang="ja-JP" altLang="en-US"/>
           </a:p>
@@ -2287,7 +2287,7 @@
           <a:p>
             <a:fld id="{82143799-112E-454D-A25D-E15AB7320A39}" type="datetimeFigureOut">
               <a:rPr kumimoji="1" lang="ja-JP" altLang="en-US" smtClean="0"/>
-              <a:t>2020/12/8</a:t>
+              <a:t>2020/12/14</a:t>
             </a:fld>
             <a:endParaRPr kumimoji="1" lang="ja-JP" altLang="en-US"/>
           </a:p>
@@ -3552,7 +3552,7 @@
           <a:p>
             <a:fld id="{82143799-112E-454D-A25D-E15AB7320A39}" type="datetimeFigureOut">
               <a:rPr kumimoji="1" lang="ja-JP" altLang="en-US" smtClean="0"/>
-              <a:t>2020/12/8</a:t>
+              <a:t>2020/12/14</a:t>
             </a:fld>
             <a:endParaRPr kumimoji="1" lang="ja-JP" altLang="en-US"/>
           </a:p>
@@ -4006,7 +4006,7 @@
           <a:p>
             <a:fld id="{82143799-112E-454D-A25D-E15AB7320A39}" type="datetimeFigureOut">
               <a:rPr kumimoji="1" lang="ja-JP" altLang="en-US" smtClean="0"/>
-              <a:t>2020/12/8</a:t>
+              <a:t>2020/12/14</a:t>
             </a:fld>
             <a:endParaRPr kumimoji="1" lang="ja-JP" altLang="en-US"/>
           </a:p>
@@ -4129,7 +4129,7 @@
           <a:p>
             <a:fld id="{82143799-112E-454D-A25D-E15AB7320A39}" type="datetimeFigureOut">
               <a:rPr kumimoji="1" lang="ja-JP" altLang="en-US" smtClean="0"/>
-              <a:t>2020/12/8</a:t>
+              <a:t>2020/12/14</a:t>
             </a:fld>
             <a:endParaRPr kumimoji="1" lang="ja-JP" altLang="en-US"/>
           </a:p>
@@ -4224,7 +4224,7 @@
           <a:p>
             <a:fld id="{82143799-112E-454D-A25D-E15AB7320A39}" type="datetimeFigureOut">
               <a:rPr kumimoji="1" lang="ja-JP" altLang="en-US" smtClean="0"/>
-              <a:t>2020/12/8</a:t>
+              <a:t>2020/12/14</a:t>
             </a:fld>
             <a:endParaRPr kumimoji="1" lang="ja-JP" altLang="en-US"/>
           </a:p>
@@ -5019,7 +5019,7 @@
           <a:p>
             <a:fld id="{82143799-112E-454D-A25D-E15AB7320A39}" type="datetimeFigureOut">
               <a:rPr kumimoji="1" lang="ja-JP" altLang="en-US" smtClean="0"/>
-              <a:t>2020/12/8</a:t>
+              <a:t>2020/12/14</a:t>
             </a:fld>
             <a:endParaRPr kumimoji="1" lang="ja-JP" altLang="en-US"/>
           </a:p>
@@ -5859,7 +5859,7 @@
           <a:p>
             <a:fld id="{82143799-112E-454D-A25D-E15AB7320A39}" type="datetimeFigureOut">
               <a:rPr kumimoji="1" lang="ja-JP" altLang="en-US" smtClean="0"/>
-              <a:t>2020/12/8</a:t>
+              <a:t>2020/12/14</a:t>
             </a:fld>
             <a:endParaRPr kumimoji="1" lang="ja-JP" altLang="en-US"/>
           </a:p>
@@ -6118,7 +6118,7 @@
           <a:p>
             <a:fld id="{82143799-112E-454D-A25D-E15AB7320A39}" type="datetimeFigureOut">
               <a:rPr kumimoji="1" lang="ja-JP" altLang="en-US" smtClean="0"/>
-              <a:t>2020/12/8</a:t>
+              <a:t>2020/12/14</a:t>
             </a:fld>
             <a:endParaRPr kumimoji="1" lang="ja-JP" altLang="en-US"/>
           </a:p>
@@ -7204,19 +7204,98 @@
           </a:xfrm>
         </p:spPr>
         <p:txBody>
-          <a:bodyPr/>
+          <a:bodyPr>
+            <a:normAutofit/>
+          </a:bodyPr>
           <a:lstStyle/>
           <a:p>
             <a:r>
-              <a:rPr kumimoji="1" lang="ja-JP" altLang="en-US" dirty="0" smtClean="0">
+              <a:rPr kumimoji="1" lang="ja-JP" altLang="en-US" sz="2400" dirty="0" smtClean="0">
                 <a:latin typeface="HGS創英角ﾎﾟｯﾌﾟ体" panose="040B0A00000000000000" pitchFamily="50" charset="-128"/>
                 <a:ea typeface="HGS創英角ﾎﾟｯﾌﾟ体" panose="040B0A00000000000000" pitchFamily="50" charset="-128"/>
               </a:rPr>
               <a:t>パズルアクションゲーム</a:t>
             </a:r>
-            <a:endParaRPr kumimoji="1" lang="ja-JP" altLang="en-US" dirty="0">
+            <a:endParaRPr kumimoji="1" lang="ja-JP" altLang="en-US" sz="2400" dirty="0">
               <a:latin typeface="HGS創英角ﾎﾟｯﾌﾟ体" panose="040B0A00000000000000" pitchFamily="50" charset="-128"/>
               <a:ea typeface="HGS創英角ﾎﾟｯﾌﾟ体" panose="040B0A00000000000000" pitchFamily="50" charset="-128"/>
+            </a:endParaRPr>
+          </a:p>
+        </p:txBody>
+      </p:sp>
+      <p:sp>
+        <p:nvSpPr>
+          <p:cNvPr id="4" name="テキスト ボックス 3"/>
+          <p:cNvSpPr txBox="1"/>
+          <p:nvPr/>
+        </p:nvSpPr>
+        <p:spPr>
+          <a:xfrm>
+            <a:off x="7252700" y="6027003"/>
+            <a:ext cx="4939300" cy="830997"/>
+          </a:xfrm>
+          <a:prstGeom prst="rect">
+            <a:avLst/>
+          </a:prstGeom>
+          <a:noFill/>
+        </p:spPr>
+        <p:txBody>
+          <a:bodyPr wrap="square" rtlCol="0">
+            <a:spAutoFit/>
+          </a:bodyPr>
+          <a:lstStyle/>
+          <a:p>
+            <a:r>
+              <a:rPr kumimoji="1" lang="ja-JP" altLang="en-US" sz="2400" dirty="0" smtClean="0">
+                <a:latin typeface="HGP創英角ﾎﾟｯﾌﾟ体" panose="040B0A00000000000000" pitchFamily="50" charset="-128"/>
+                <a:ea typeface="HGP創英角ﾎﾟｯﾌﾟ体" panose="040B0A00000000000000" pitchFamily="50" charset="-128"/>
+              </a:rPr>
+              <a:t>制作：</a:t>
+            </a:r>
+            <a:r>
+              <a:rPr kumimoji="1" lang="en-US" altLang="ja-JP" sz="2400" dirty="0" err="1" smtClean="0">
+                <a:latin typeface="HGP創英角ﾎﾟｯﾌﾟ体" panose="040B0A00000000000000" pitchFamily="50" charset="-128"/>
+                <a:ea typeface="HGP創英角ﾎﾟｯﾌﾟ体" panose="040B0A00000000000000" pitchFamily="50" charset="-128"/>
+              </a:rPr>
+              <a:t>HoT</a:t>
+            </a:r>
+            <a:r>
+              <a:rPr kumimoji="1" lang="ja-JP" altLang="en-US" sz="2400" dirty="0" smtClean="0">
+                <a:latin typeface="HGP創英角ﾎﾟｯﾌﾟ体" panose="040B0A00000000000000" pitchFamily="50" charset="-128"/>
+                <a:ea typeface="HGP創英角ﾎﾟｯﾌﾟ体" panose="040B0A00000000000000" pitchFamily="50" charset="-128"/>
+              </a:rPr>
+              <a:t> </a:t>
+            </a:r>
+            <a:r>
+              <a:rPr kumimoji="1" lang="en-US" altLang="ja-JP" sz="2400" dirty="0" err="1" smtClean="0">
+                <a:latin typeface="HGP創英角ﾎﾟｯﾌﾟ体" panose="040B0A00000000000000" pitchFamily="50" charset="-128"/>
+                <a:ea typeface="HGP創英角ﾎﾟｯﾌﾟ体" panose="040B0A00000000000000" pitchFamily="50" charset="-128"/>
+              </a:rPr>
+              <a:t>HaTS</a:t>
+            </a:r>
+            <a:endParaRPr kumimoji="1" lang="en-US" altLang="ja-JP" sz="2400" dirty="0" smtClean="0">
+              <a:latin typeface="HGP創英角ﾎﾟｯﾌﾟ体" panose="040B0A00000000000000" pitchFamily="50" charset="-128"/>
+              <a:ea typeface="HGP創英角ﾎﾟｯﾌﾟ体" panose="040B0A00000000000000" pitchFamily="50" charset="-128"/>
+            </a:endParaRPr>
+          </a:p>
+          <a:p>
+            <a:r>
+              <a:rPr kumimoji="1" lang="en-US" altLang="ja-JP" sz="2400" dirty="0" smtClean="0">
+                <a:latin typeface="HGP創英角ﾎﾟｯﾌﾟ体" panose="040B0A00000000000000" pitchFamily="50" charset="-128"/>
+                <a:ea typeface="HGP創英角ﾎﾟｯﾌﾟ体" panose="040B0A00000000000000" pitchFamily="50" charset="-128"/>
+              </a:rPr>
+              <a:t>Visual Studio 2019 Ver.16.0 </a:t>
+            </a:r>
+            <a:r>
+              <a:rPr kumimoji="1" lang="ja-JP" altLang="en-US" sz="2400" dirty="0" smtClean="0">
+                <a:latin typeface="HGP創英角ﾎﾟｯﾌﾟ体" panose="040B0A00000000000000" pitchFamily="50" charset="-128"/>
+                <a:ea typeface="HGP創英角ﾎﾟｯﾌﾟ体" panose="040B0A00000000000000" pitchFamily="50" charset="-128"/>
+              </a:rPr>
+              <a:t>使用</a:t>
+            </a:r>
+            <a:endParaRPr kumimoji="1" lang="ja-JP" altLang="en-US" sz="2400" dirty="0">
+              <a:latin typeface="HGP創英角ﾎﾟｯﾌﾟ体" panose="040B0A00000000000000" pitchFamily="50" charset="-128"/>
+              <a:ea typeface="HGP創英角ﾎﾟｯﾌﾟ体" panose="040B0A00000000000000" pitchFamily="50" charset="-128"/>
             </a:endParaRPr>
           </a:p>
         </p:txBody>
@@ -8236,6 +8315,21 @@
 </file>
 
 <file path=customXml/item1.xml><?xml version="1.0" encoding="utf-8"?>
+<p:properties xmlns:p="http://schemas.microsoft.com/office/2006/metadata/properties" xmlns:xsi="http://www.w3.org/2001/XMLSchema-instance" xmlns:pc="http://schemas.microsoft.com/office/infopath/2007/PartnerControls">
+  <documentManagement/>
+</p:properties>
+</file>
+
+<file path=customXml/item2.xml><?xml version="1.0" encoding="utf-8"?>
+<?mso-contentType ?>
+<FormTemplates xmlns="http://schemas.microsoft.com/sharepoint/v3/contenttype/forms">
+  <Display>DocumentLibraryForm</Display>
+  <Edit>DocumentLibraryForm</Edit>
+  <New>DocumentLibraryForm</New>
+</FormTemplates>
+</file>
+
+<file path=customXml/item3.xml><?xml version="1.0" encoding="utf-8"?>
 <ct:contentTypeSchema xmlns:ct="http://schemas.microsoft.com/office/2006/metadata/contentType" xmlns:ma="http://schemas.microsoft.com/office/2006/metadata/properties/metaAttributes" ct:_="" ma:_="" ma:contentTypeName="ドキュメント" ma:contentTypeID="0x01010074E388B9AA22D54CA9788CA1CC16B2A3" ma:contentTypeVersion="7" ma:contentTypeDescription="新しいドキュメントを作成します。" ma:contentTypeScope="" ma:versionID="b315e5be343f605af64d3f1acdc0491b">
   <xsd:schema xmlns:xsd="http://www.w3.org/2001/XMLSchema" xmlns:xs="http://www.w3.org/2001/XMLSchema" xmlns:p="http://schemas.microsoft.com/office/2006/metadata/properties" xmlns:ns3="0d067b38-844c-4ced-a7dc-cbf2a2f367d3" targetNamespace="http://schemas.microsoft.com/office/2006/metadata/properties" ma:root="true" ma:fieldsID="4bb398ab5478f124d58ff503a905aaca" ns3:_="">
     <xsd:import namespace="0d067b38-844c-4ced-a7dc-cbf2a2f367d3"/>
@@ -8399,22 +8493,31 @@
 </ct:contentTypeSchema>
 </file>
 
-<file path=customXml/item2.xml><?xml version="1.0" encoding="utf-8"?>
-<?mso-contentType ?>
-<FormTemplates xmlns="http://schemas.microsoft.com/sharepoint/v3/contenttype/forms">
-  <Display>DocumentLibraryForm</Display>
-  <Edit>DocumentLibraryForm</Edit>
-  <New>DocumentLibraryForm</New>
-</FormTemplates>
+<file path=customXml/itemProps1.xml><?xml version="1.0" encoding="utf-8"?>
+<ds:datastoreItem xmlns:ds="http://schemas.openxmlformats.org/officeDocument/2006/customXml" ds:itemID="{AF3687D2-527E-4852-877C-52C9EE2A9922}">
+  <ds:schemaRefs>
+    <ds:schemaRef ds:uri="http://schemas.openxmlformats.org/package/2006/metadata/core-properties"/>
+    <ds:schemaRef ds:uri="http://schemas.microsoft.com/office/2006/metadata/properties"/>
+    <ds:schemaRef ds:uri="http://schemas.microsoft.com/office/2006/documentManagement/types"/>
+    <ds:schemaRef ds:uri="http://schemas.microsoft.com/office/infopath/2007/PartnerControls"/>
+    <ds:schemaRef ds:uri="http://www.w3.org/XML/1998/namespace"/>
+    <ds:schemaRef ds:uri="http://purl.org/dc/elements/1.1/"/>
+    <ds:schemaRef ds:uri="0d067b38-844c-4ced-a7dc-cbf2a2f367d3"/>
+    <ds:schemaRef ds:uri="http://purl.org/dc/dcmitype/"/>
+    <ds:schemaRef ds:uri="http://purl.org/dc/terms/"/>
+  </ds:schemaRefs>
+</ds:datastoreItem>
 </file>
 
-<file path=customXml/item3.xml><?xml version="1.0" encoding="utf-8"?>
-<p:properties xmlns:p="http://schemas.microsoft.com/office/2006/metadata/properties" xmlns:xsi="http://www.w3.org/2001/XMLSchema-instance" xmlns:pc="http://schemas.microsoft.com/office/infopath/2007/PartnerControls">
-  <documentManagement/>
-</p:properties>
+<file path=customXml/itemProps2.xml><?xml version="1.0" encoding="utf-8"?>
+<ds:datastoreItem xmlns:ds="http://schemas.openxmlformats.org/officeDocument/2006/customXml" ds:itemID="{EC971FE3-286B-4DD5-A3EF-01458DEDC417}">
+  <ds:schemaRefs>
+    <ds:schemaRef ds:uri="http://schemas.microsoft.com/sharepoint/v3/contenttype/forms"/>
+  </ds:schemaRefs>
+</ds:datastoreItem>
 </file>
 
-<file path=customXml/itemProps1.xml><?xml version="1.0" encoding="utf-8"?>
+<file path=customXml/itemProps3.xml><?xml version="1.0" encoding="utf-8"?>
 <ds:datastoreItem xmlns:ds="http://schemas.openxmlformats.org/officeDocument/2006/customXml" ds:itemID="{0EBE56AB-F6B6-4787-AE63-AB8EC1F47CF1}">
   <ds:schemaRefs>
     <ds:schemaRef ds:uri="http://schemas.microsoft.com/office/2006/metadata/contentType"/>
@@ -8430,28 +8533,4 @@
     <ds:schemaRef ds:uri="http://schemas.microsoft.com/internal/obd"/>
   </ds:schemaRefs>
 </ds:datastoreItem>
-</file>
-
-<file path=customXml/itemProps2.xml><?xml version="1.0" encoding="utf-8"?>
-<ds:datastoreItem xmlns:ds="http://schemas.openxmlformats.org/officeDocument/2006/customXml" ds:itemID="{EC971FE3-286B-4DD5-A3EF-01458DEDC417}">
-  <ds:schemaRefs>
-    <ds:schemaRef ds:uri="http://schemas.microsoft.com/sharepoint/v3/contenttype/forms"/>
-  </ds:schemaRefs>
-</ds:datastoreItem>
-</file>
-
-<file path=customXml/itemProps3.xml><?xml version="1.0" encoding="utf-8"?>
-<ds:datastoreItem xmlns:ds="http://schemas.openxmlformats.org/officeDocument/2006/customXml" ds:itemID="{AF3687D2-527E-4852-877C-52C9EE2A9922}">
-  <ds:schemaRefs>
-    <ds:schemaRef ds:uri="http://schemas.openxmlformats.org/package/2006/metadata/core-properties"/>
-    <ds:schemaRef ds:uri="http://schemas.microsoft.com/office/2006/metadata/properties"/>
-    <ds:schemaRef ds:uri="http://schemas.microsoft.com/office/2006/documentManagement/types"/>
-    <ds:schemaRef ds:uri="http://schemas.microsoft.com/office/infopath/2007/PartnerControls"/>
-    <ds:schemaRef ds:uri="http://www.w3.org/XML/1998/namespace"/>
-    <ds:schemaRef ds:uri="http://purl.org/dc/elements/1.1/"/>
-    <ds:schemaRef ds:uri="0d067b38-844c-4ced-a7dc-cbf2a2f367d3"/>
-    <ds:schemaRef ds:uri="http://purl.org/dc/dcmitype/"/>
-    <ds:schemaRef ds:uri="http://purl.org/dc/terms/"/>
-  </ds:schemaRefs>
-</ds:datastoreItem>
 </file>
--- a/ランプの妖精と影の世界.pptx
+++ b/ランプの妖精と影の世界.pptx
@@ -7706,7 +7706,37 @@
             </a:pPr>
             <a:r>
               <a:rPr kumimoji="1" lang="ja-JP" altLang="en-US" sz="2800" dirty="0" smtClean="0"/>
-              <a:t>光と影を切り換えて先に進みましょう。</a:t>
+              <a:t>影の世界では主人公</a:t>
+            </a:r>
+            <a:r>
+              <a:rPr lang="ja-JP" altLang="en-US" sz="2800" dirty="0" smtClean="0"/>
+              <a:t>は浮遊することができます</a:t>
+            </a:r>
+            <a:r>
+              <a:rPr kumimoji="1" lang="ja-JP" altLang="en-US" sz="2800" dirty="0" smtClean="0"/>
+              <a:t>。</a:t>
+            </a:r>
+            <a:endParaRPr kumimoji="1" lang="en-US" altLang="ja-JP" sz="2800" dirty="0" smtClean="0"/>
+          </a:p>
+          <a:p>
+            <a:pPr marL="0" indent="0">
+              <a:buNone/>
+            </a:pPr>
+            <a:r>
+              <a:rPr lang="ja-JP" altLang="en-US" sz="2800" dirty="0"/>
+              <a:t>パズル</a:t>
+            </a:r>
+            <a:r>
+              <a:rPr lang="ja-JP" altLang="en-US" sz="2800" dirty="0" smtClean="0"/>
+              <a:t>を解いて先</a:t>
+            </a:r>
+            <a:r>
+              <a:rPr kumimoji="1" lang="ja-JP" altLang="en-US" sz="2800" dirty="0" smtClean="0"/>
+              <a:t>に</a:t>
+            </a:r>
+            <a:r>
+              <a:rPr kumimoji="1" lang="ja-JP" altLang="en-US" sz="2800" dirty="0" smtClean="0"/>
+              <a:t>進みましょう。</a:t>
             </a:r>
             <a:endParaRPr kumimoji="1" lang="ja-JP" altLang="en-US" sz="2800" dirty="0"/>
           </a:p>
@@ -8315,18 +8345,18 @@
 </file>
 
 <file path=customXml/item1.xml><?xml version="1.0" encoding="utf-8"?>
-<p:properties xmlns:p="http://schemas.microsoft.com/office/2006/metadata/properties" xmlns:xsi="http://www.w3.org/2001/XMLSchema-instance" xmlns:pc="http://schemas.microsoft.com/office/infopath/2007/PartnerControls">
-  <documentManagement/>
-</p:properties>
-</file>
-
-<file path=customXml/item2.xml><?xml version="1.0" encoding="utf-8"?>
 <?mso-contentType ?>
 <FormTemplates xmlns="http://schemas.microsoft.com/sharepoint/v3/contenttype/forms">
   <Display>DocumentLibraryForm</Display>
   <Edit>DocumentLibraryForm</Edit>
   <New>DocumentLibraryForm</New>
 </FormTemplates>
+</file>
+
+<file path=customXml/item2.xml><?xml version="1.0" encoding="utf-8"?>
+<p:properties xmlns:p="http://schemas.microsoft.com/office/2006/metadata/properties" xmlns:xsi="http://www.w3.org/2001/XMLSchema-instance" xmlns:pc="http://schemas.microsoft.com/office/infopath/2007/PartnerControls">
+  <documentManagement/>
+</p:properties>
 </file>
 
 <file path=customXml/item3.xml><?xml version="1.0" encoding="utf-8"?>
@@ -8494,25 +8524,25 @@
 </file>
 
 <file path=customXml/itemProps1.xml><?xml version="1.0" encoding="utf-8"?>
-<ds:datastoreItem xmlns:ds="http://schemas.openxmlformats.org/officeDocument/2006/customXml" ds:itemID="{AF3687D2-527E-4852-877C-52C9EE2A9922}">
+<ds:datastoreItem xmlns:ds="http://schemas.openxmlformats.org/officeDocument/2006/customXml" ds:itemID="{EC971FE3-286B-4DD5-A3EF-01458DEDC417}">
   <ds:schemaRefs>
-    <ds:schemaRef ds:uri="http://schemas.openxmlformats.org/package/2006/metadata/core-properties"/>
-    <ds:schemaRef ds:uri="http://schemas.microsoft.com/office/2006/metadata/properties"/>
-    <ds:schemaRef ds:uri="http://schemas.microsoft.com/office/2006/documentManagement/types"/>
-    <ds:schemaRef ds:uri="http://schemas.microsoft.com/office/infopath/2007/PartnerControls"/>
-    <ds:schemaRef ds:uri="http://www.w3.org/XML/1998/namespace"/>
-    <ds:schemaRef ds:uri="http://purl.org/dc/elements/1.1/"/>
-    <ds:schemaRef ds:uri="0d067b38-844c-4ced-a7dc-cbf2a2f367d3"/>
-    <ds:schemaRef ds:uri="http://purl.org/dc/dcmitype/"/>
-    <ds:schemaRef ds:uri="http://purl.org/dc/terms/"/>
+    <ds:schemaRef ds:uri="http://schemas.microsoft.com/sharepoint/v3/contenttype/forms"/>
   </ds:schemaRefs>
 </ds:datastoreItem>
 </file>
 
 <file path=customXml/itemProps2.xml><?xml version="1.0" encoding="utf-8"?>
-<ds:datastoreItem xmlns:ds="http://schemas.openxmlformats.org/officeDocument/2006/customXml" ds:itemID="{EC971FE3-286B-4DD5-A3EF-01458DEDC417}">
+<ds:datastoreItem xmlns:ds="http://schemas.openxmlformats.org/officeDocument/2006/customXml" ds:itemID="{AF3687D2-527E-4852-877C-52C9EE2A9922}">
   <ds:schemaRefs>
-    <ds:schemaRef ds:uri="http://schemas.microsoft.com/sharepoint/v3/contenttype/forms"/>
+    <ds:schemaRef ds:uri="http://www.w3.org/XML/1998/namespace"/>
+    <ds:schemaRef ds:uri="0d067b38-844c-4ced-a7dc-cbf2a2f367d3"/>
+    <ds:schemaRef ds:uri="http://purl.org/dc/terms/"/>
+    <ds:schemaRef ds:uri="http://purl.org/dc/elements/1.1/"/>
+    <ds:schemaRef ds:uri="http://schemas.microsoft.com/office/2006/documentManagement/types"/>
+    <ds:schemaRef ds:uri="http://purl.org/dc/dcmitype/"/>
+    <ds:schemaRef ds:uri="http://schemas.openxmlformats.org/package/2006/metadata/core-properties"/>
+    <ds:schemaRef ds:uri="http://schemas.microsoft.com/office/infopath/2007/PartnerControls"/>
+    <ds:schemaRef ds:uri="http://schemas.microsoft.com/office/2006/metadata/properties"/>
   </ds:schemaRefs>
 </ds:datastoreItem>
 </file>
